--- a/reference_files/BingSampleSlide.pptx
+++ b/reference_files/BingSampleSlide.pptx
@@ -219,7 +219,7 @@
           <a:p>
             <a:fld id="{AF753A79-A81F-2145-A890-8D387085A7A7}" type="datetimeFigureOut">
               <a:rPr lang="en-US" smtClean="0"/>
-              <a:t>10/5/18</a:t>
+              <a:t>3/11/19</a:t>
             </a:fld>
             <a:endParaRPr lang="en-US"/>
           </a:p>
@@ -840,7 +840,7 @@
           <a:lstStyle>
             <a:lvl1pPr marL="0" indent="0">
               <a:buNone/>
-              <a:defRPr sz="2400">
+              <a:defRPr sz="2000">
                 <a:solidFill>
                   <a:srgbClr val="1F497D"/>
                 </a:solidFill>
@@ -851,7 +851,7 @@
             <a:pPr lvl="0"/>
             <a:r>
               <a:rPr lang="en-US" dirty="0" smtClean="0"/>
-              <a:t>- Test</a:t>
+              <a:t>Test</a:t>
             </a:r>
             <a:endParaRPr lang="en-US" dirty="0"/>
           </a:p>
@@ -1690,6 +1690,41 @@
           </a:p>
         </p:txBody>
       </p:sp>
+      <p:pic>
+        <p:nvPicPr>
+          <p:cNvPr id="21" name="Picture 20" descr="SampleBingAd.png"/>
+          <p:cNvPicPr>
+            <a:picLocks noChangeAspect="1"/>
+          </p:cNvPicPr>
+          <p:nvPr userDrawn="1"/>
+        </p:nvPicPr>
+        <p:blipFill>
+          <a:blip r:embed="rId7">
+            <a:extLst>
+              <a:ext uri="{28A0092B-C50C-407E-A947-70E740481C1C}">
+                <a14:useLocalDpi xmlns:a14="http://schemas.microsoft.com/office/drawing/2010/main" val="0"/>
+              </a:ext>
+            </a:extLst>
+          </a:blip>
+          <a:stretch>
+            <a:fillRect/>
+          </a:stretch>
+        </p:blipFill>
+        <p:spPr>
+          <a:xfrm>
+            <a:off x="4429864" y="2511538"/>
+            <a:ext cx="3868581" cy="1741550"/>
+          </a:xfrm>
+          <a:prstGeom prst="rect">
+            <a:avLst/>
+          </a:prstGeom>
+          <a:ln w="76200" cmpd="sng">
+            <a:solidFill>
+              <a:srgbClr val="1C324C"/>
+            </a:solidFill>
+          </a:ln>
+        </p:spPr>
+      </p:pic>
     </p:spTree>
     <p:extLst>
       <p:ext uri="{BB962C8B-B14F-4D97-AF65-F5344CB8AC3E}">
@@ -1793,7 +1828,7 @@
         </p:nvSpPr>
         <p:spPr>
           <a:xfrm>
-            <a:off x="204788" y="688507"/>
+            <a:off x="204788" y="686595"/>
             <a:ext cx="8704750" cy="542925"/>
           </a:xfrm>
           <a:prstGeom prst="rect">
@@ -1816,7 +1851,7 @@
             <a:pPr lvl="0"/>
             <a:r>
               <a:rPr lang="en-US" dirty="0" smtClean="0"/>
-              <a:t>- Test</a:t>
+              <a:t>Test</a:t>
             </a:r>
             <a:endParaRPr lang="en-US" dirty="0"/>
           </a:p>
@@ -2511,6 +2546,41 @@
           </a:p>
         </p:txBody>
       </p:sp>
+      <p:pic>
+        <p:nvPicPr>
+          <p:cNvPr id="2" name="Picture 1" descr="SampleBingAd.png"/>
+          <p:cNvPicPr>
+            <a:picLocks noChangeAspect="1"/>
+          </p:cNvPicPr>
+          <p:nvPr userDrawn="1"/>
+        </p:nvPicPr>
+        <p:blipFill>
+          <a:blip r:embed="rId7">
+            <a:extLst>
+              <a:ext uri="{28A0092B-C50C-407E-A947-70E740481C1C}">
+                <a14:useLocalDpi xmlns:a14="http://schemas.microsoft.com/office/drawing/2010/main" val="0"/>
+              </a:ext>
+            </a:extLst>
+          </a:blip>
+          <a:stretch>
+            <a:fillRect/>
+          </a:stretch>
+        </p:blipFill>
+        <p:spPr>
+          <a:xfrm>
+            <a:off x="4429864" y="2511538"/>
+            <a:ext cx="3868581" cy="1741550"/>
+          </a:xfrm>
+          <a:prstGeom prst="rect">
+            <a:avLst/>
+          </a:prstGeom>
+          <a:ln w="76200" cmpd="sng">
+            <a:solidFill>
+              <a:srgbClr val="1C324C"/>
+            </a:solidFill>
+          </a:ln>
+        </p:spPr>
+      </p:pic>
     </p:spTree>
     <p:extLst>
       <p:ext uri="{BB962C8B-B14F-4D97-AF65-F5344CB8AC3E}">
